--- a/Ctrl-Alt-SegmentAnything_prezentacio.pptx
+++ b/Ctrl-Alt-SegmentAnything_prezentacio.pptx
@@ -205,7 +205,7 @@
           <a:p>
             <a:fld id="{EB5D2E82-83FB-4CAE-A603-D7B8A7D1C2BD}" type="datetimeFigureOut">
               <a:rPr lang="hu-HU" smtClean="0"/>
-              <a:t>2024. 12. 16.</a:t>
+              <a:t>2024. 12. 17.</a:t>
             </a:fld>
             <a:endParaRPr lang="hu-HU"/>
           </a:p>
@@ -703,7 +703,7 @@
           <a:p>
             <a:fld id="{15D24EF6-6460-4614-9BC2-25D1B424D4CA}" type="datetimeFigureOut">
               <a:rPr lang="hu-HU" smtClean="0"/>
-              <a:t>2024. 12. 16.</a:t>
+              <a:t>2024. 12. 17.</a:t>
             </a:fld>
             <a:endParaRPr lang="hu-HU"/>
           </a:p>
@@ -901,7 +901,7 @@
           <a:p>
             <a:fld id="{15D24EF6-6460-4614-9BC2-25D1B424D4CA}" type="datetimeFigureOut">
               <a:rPr lang="hu-HU" smtClean="0"/>
-              <a:t>2024. 12. 16.</a:t>
+              <a:t>2024. 12. 17.</a:t>
             </a:fld>
             <a:endParaRPr lang="hu-HU"/>
           </a:p>
@@ -1109,7 +1109,7 @@
           <a:p>
             <a:fld id="{15D24EF6-6460-4614-9BC2-25D1B424D4CA}" type="datetimeFigureOut">
               <a:rPr lang="hu-HU" smtClean="0"/>
-              <a:t>2024. 12. 16.</a:t>
+              <a:t>2024. 12. 17.</a:t>
             </a:fld>
             <a:endParaRPr lang="hu-HU"/>
           </a:p>
@@ -1307,7 +1307,7 @@
           <a:p>
             <a:fld id="{15D24EF6-6460-4614-9BC2-25D1B424D4CA}" type="datetimeFigureOut">
               <a:rPr lang="hu-HU" smtClean="0"/>
-              <a:t>2024. 12. 16.</a:t>
+              <a:t>2024. 12. 17.</a:t>
             </a:fld>
             <a:endParaRPr lang="hu-HU"/>
           </a:p>
@@ -1582,7 +1582,7 @@
           <a:p>
             <a:fld id="{15D24EF6-6460-4614-9BC2-25D1B424D4CA}" type="datetimeFigureOut">
               <a:rPr lang="hu-HU" smtClean="0"/>
-              <a:t>2024. 12. 16.</a:t>
+              <a:t>2024. 12. 17.</a:t>
             </a:fld>
             <a:endParaRPr lang="hu-HU"/>
           </a:p>
@@ -1847,7 +1847,7 @@
           <a:p>
             <a:fld id="{15D24EF6-6460-4614-9BC2-25D1B424D4CA}" type="datetimeFigureOut">
               <a:rPr lang="hu-HU" smtClean="0"/>
-              <a:t>2024. 12. 16.</a:t>
+              <a:t>2024. 12. 17.</a:t>
             </a:fld>
             <a:endParaRPr lang="hu-HU"/>
           </a:p>
@@ -2259,7 +2259,7 @@
           <a:p>
             <a:fld id="{15D24EF6-6460-4614-9BC2-25D1B424D4CA}" type="datetimeFigureOut">
               <a:rPr lang="hu-HU" smtClean="0"/>
-              <a:t>2024. 12. 16.</a:t>
+              <a:t>2024. 12. 17.</a:t>
             </a:fld>
             <a:endParaRPr lang="hu-HU"/>
           </a:p>
@@ -2400,7 +2400,7 @@
           <a:p>
             <a:fld id="{15D24EF6-6460-4614-9BC2-25D1B424D4CA}" type="datetimeFigureOut">
               <a:rPr lang="hu-HU" smtClean="0"/>
-              <a:t>2024. 12. 16.</a:t>
+              <a:t>2024. 12. 17.</a:t>
             </a:fld>
             <a:endParaRPr lang="hu-HU"/>
           </a:p>
@@ -2513,7 +2513,7 @@
           <a:p>
             <a:fld id="{15D24EF6-6460-4614-9BC2-25D1B424D4CA}" type="datetimeFigureOut">
               <a:rPr lang="hu-HU" smtClean="0"/>
-              <a:t>2024. 12. 16.</a:t>
+              <a:t>2024. 12. 17.</a:t>
             </a:fld>
             <a:endParaRPr lang="hu-HU"/>
           </a:p>
@@ -2824,7 +2824,7 @@
           <a:p>
             <a:fld id="{15D24EF6-6460-4614-9BC2-25D1B424D4CA}" type="datetimeFigureOut">
               <a:rPr lang="hu-HU" smtClean="0"/>
-              <a:t>2024. 12. 16.</a:t>
+              <a:t>2024. 12. 17.</a:t>
             </a:fld>
             <a:endParaRPr lang="hu-HU"/>
           </a:p>
@@ -3112,7 +3112,7 @@
           <a:p>
             <a:fld id="{15D24EF6-6460-4614-9BC2-25D1B424D4CA}" type="datetimeFigureOut">
               <a:rPr lang="hu-HU" smtClean="0"/>
-              <a:t>2024. 12. 16.</a:t>
+              <a:t>2024. 12. 17.</a:t>
             </a:fld>
             <a:endParaRPr lang="hu-HU"/>
           </a:p>
@@ -3353,7 +3353,7 @@
           <a:p>
             <a:fld id="{15D24EF6-6460-4614-9BC2-25D1B424D4CA}" type="datetimeFigureOut">
               <a:rPr lang="hu-HU" smtClean="0"/>
-              <a:t>2024. 12. 16.</a:t>
+              <a:t>2024. 12. 17.</a:t>
             </a:fld>
             <a:endParaRPr lang="hu-HU"/>
           </a:p>
@@ -3906,8 +3906,29 @@
                 <a:ea typeface="+mj-ea"/>
                 <a:cs typeface="+mj-cs"/>
               </a:rPr>
-              <a:t> deep learning </a:t>
-            </a:r>
+              <a:t> </a:t>
+            </a:r>
+            <a:r>
+              <a:rPr lang="hu-HU" sz="5000" dirty="0">
+                <a:latin typeface="+mj-lt"/>
+                <a:ea typeface="+mj-ea"/>
+                <a:cs typeface="+mj-cs"/>
+              </a:rPr>
+              <a:t>mélytanulás</a:t>
+            </a:r>
+          </a:p>
+          <a:p>
+            <a:pPr>
+              <a:lnSpc>
+                <a:spcPct val="90000"/>
+              </a:lnSpc>
+              <a:spcBef>
+                <a:spcPct val="0"/>
+              </a:spcBef>
+              <a:spcAft>
+                <a:spcPts val="600"/>
+              </a:spcAft>
+            </a:pPr>
             <a:r>
               <a:rPr lang="en-US" sz="5000" dirty="0" err="1">
                 <a:latin typeface="+mj-lt"/>
@@ -5521,6 +5542,15 @@
               </a:rPr>
               <a:t>adatai</a:t>
             </a:r>
+            <a:endParaRPr lang="hu-HU" b="0" i="0" dirty="0">
+              <a:effectLst/>
+              <a:latin typeface="gg mono"/>
+            </a:endParaRPr>
+          </a:p>
+          <a:p>
+            <a:pPr marL="457200" lvl="1" indent="0">
+              <a:buNone/>
+            </a:pPr>
             <a:endParaRPr lang="hu-HU" dirty="0">
               <a:latin typeface="gg mono"/>
             </a:endParaRPr>
@@ -5555,7 +5585,7 @@
                 <a:effectLst/>
                 <a:latin typeface="gg mono"/>
               </a:rPr>
-              <a:t>42556 kép hajóval</a:t>
+              <a:t>   42556 kép hajóval</a:t>
             </a:r>
           </a:p>
           <a:p>
@@ -5567,7 +5597,7 @@
                 <a:effectLst/>
                 <a:latin typeface="gg mono"/>
               </a:rPr>
-              <a:t>150000 kép hajó nélkül</a:t>
+              <a:t>   150000 kép hajó nélkül</a:t>
             </a:r>
           </a:p>
           <a:p>
@@ -5701,7 +5731,7 @@
         </p:nvSpPr>
         <p:spPr>
           <a:xfrm>
-            <a:off x="630936" y="639520"/>
+            <a:off x="630935" y="739832"/>
             <a:ext cx="3429000" cy="1719072"/>
           </a:xfrm>
         </p:spPr>
@@ -6028,7 +6058,7 @@
                 <a:effectLst/>
                 <a:latin typeface="gg mono"/>
               </a:rPr>
-              <a:t>DeepLabV3 modellt</a:t>
+              <a:t>DeepLabV3 modell</a:t>
             </a:r>
           </a:p>
           <a:p>
@@ -6040,8 +6070,19 @@
                 <a:effectLst/>
                 <a:latin typeface="gg mono"/>
               </a:rPr>
-              <a:t>ResNet-50 háttérhálózat</a:t>
-            </a:r>
+              <a:t>- ResNet-50 </a:t>
+            </a:r>
+            <a:r>
+              <a:rPr lang="hu-HU" b="0" i="0" dirty="0" err="1">
+                <a:effectLst/>
+                <a:latin typeface="gg mono"/>
+              </a:rPr>
+              <a:t>backbone</a:t>
+            </a:r>
+            <a:endParaRPr lang="hu-HU" b="0" i="0" dirty="0">
+              <a:effectLst/>
+              <a:latin typeface="gg mono"/>
+            </a:endParaRPr>
           </a:p>
           <a:p>
             <a:r>
@@ -6065,7 +6106,7 @@
                 <a:effectLst/>
                 <a:latin typeface="gg mono"/>
               </a:rPr>
-              <a:t>kezdeti szakaszban egy kisebb adathalmaz </a:t>
+              <a:t>kezdeti szakaszban egy kisebb adathalmaz</a:t>
             </a:r>
           </a:p>
           <a:p>
@@ -6092,7 +6133,7 @@
                 <a:effectLst/>
                 <a:latin typeface="gg mono"/>
               </a:rPr>
-              <a:t>hyperparaméter</a:t>
+              <a:t>hiperparaméter</a:t>
             </a:r>
             <a:r>
               <a:rPr lang="hu-HU" b="0" i="0" dirty="0">
@@ -6522,124 +6563,147 @@
         </p:nvSpPr>
         <p:spPr>
           <a:xfrm>
-            <a:off x="4184542" y="1811747"/>
-            <a:ext cx="7363990" cy="4351338"/>
+            <a:off x="4184542" y="1682496"/>
+            <a:ext cx="7363990" cy="4442079"/>
           </a:xfrm>
         </p:spPr>
         <p:txBody>
           <a:bodyPr>
-            <a:normAutofit/>
+            <a:noAutofit/>
           </a:bodyPr>
           <a:lstStyle/>
           <a:p>
             <a:r>
-              <a:rPr lang="hu-HU" sz="3200" b="0" i="0" dirty="0">
+              <a:rPr lang="hu-HU" sz="2600" b="0" i="0" dirty="0">
                 <a:effectLst/>
                 <a:latin typeface="gg mono"/>
               </a:rPr>
-              <a:t>Veszteségfüggvény: Bináris Keresztentrópia </a:t>
-            </a:r>
-            <a:r>
-              <a:rPr lang="hu-HU" sz="3200" b="0" i="0" dirty="0" err="1">
-                <a:effectLst/>
+              <a:t>Colabon keresztül, A100</a:t>
+            </a:r>
+          </a:p>
+          <a:p>
+            <a:endParaRPr lang="hu-HU" sz="2600" dirty="0">
+              <a:latin typeface="gg mono"/>
+            </a:endParaRPr>
+          </a:p>
+          <a:p>
+            <a:r>
+              <a:rPr lang="hu-HU" sz="2600" dirty="0">
                 <a:latin typeface="gg mono"/>
               </a:rPr>
-              <a:t>Logits</a:t>
-            </a:r>
-            <a:r>
-              <a:rPr lang="hu-HU" sz="3200" b="0" i="0" dirty="0">
+              <a:t>72-28%-os „aránytalanság”</a:t>
+            </a:r>
+            <a:r>
+              <a:rPr lang="hu-HU" sz="2600" b="0" i="0" dirty="0">
                 <a:effectLst/>
                 <a:latin typeface="gg mono"/>
               </a:rPr>
               <a:t> </a:t>
             </a:r>
-            <a:r>
-              <a:rPr lang="hu-HU" sz="3200" b="0" i="0" dirty="0" err="1">
+          </a:p>
+          <a:p>
+            <a:endParaRPr lang="hu-HU" sz="2600" dirty="0">
+              <a:latin typeface="gg mono"/>
+            </a:endParaRPr>
+          </a:p>
+          <a:p>
+            <a:r>
+              <a:rPr lang="hu-HU" sz="2600" b="0" i="0" dirty="0">
                 <a:effectLst/>
                 <a:latin typeface="gg mono"/>
               </a:rPr>
-              <a:t>Loss-szal</a:t>
-            </a:r>
-            <a:endParaRPr lang="hu-HU" sz="3200" b="0" i="0" dirty="0">
+              <a:t>Validációs metrika: </a:t>
+            </a:r>
+            <a:r>
+              <a:rPr lang="hu-HU" sz="2600" b="0" i="0" dirty="0" err="1">
+                <a:effectLst/>
+                <a:latin typeface="gg mono"/>
+              </a:rPr>
+              <a:t>Intersection</a:t>
+            </a:r>
+            <a:r>
+              <a:rPr lang="hu-HU" sz="2600" b="0" i="0" dirty="0">
+                <a:effectLst/>
+                <a:latin typeface="gg mono"/>
+              </a:rPr>
+              <a:t> over Union</a:t>
+            </a:r>
+          </a:p>
+          <a:p>
+            <a:endParaRPr lang="hu-HU" sz="2600" b="0" i="0" dirty="0">
               <a:effectLst/>
               <a:latin typeface="gg mono"/>
             </a:endParaRPr>
           </a:p>
           <a:p>
             <a:r>
-              <a:rPr lang="hu-HU" sz="3200" b="0" i="0" dirty="0">
+              <a:rPr lang="hu-HU" sz="2600" b="0" i="0" dirty="0" err="1">
                 <a:effectLst/>
                 <a:latin typeface="gg mono"/>
               </a:rPr>
-              <a:t>Validációs metrika: </a:t>
-            </a:r>
-            <a:r>
-              <a:rPr lang="hu-HU" sz="3200" b="0" i="0" dirty="0" err="1">
+              <a:t>Early</a:t>
+            </a:r>
+            <a:r>
+              <a:rPr lang="hu-HU" sz="2600" b="0" i="0" dirty="0">
                 <a:effectLst/>
                 <a:latin typeface="gg mono"/>
               </a:rPr>
-              <a:t>Intersection</a:t>
-            </a:r>
-            <a:r>
-              <a:rPr lang="hu-HU" sz="3200" b="0" i="0" dirty="0">
+              <a:t> </a:t>
+            </a:r>
+            <a:r>
+              <a:rPr lang="hu-HU" sz="2600" b="0" i="0" dirty="0" err="1">
                 <a:effectLst/>
                 <a:latin typeface="gg mono"/>
               </a:rPr>
-              <a:t> over Union</a:t>
-            </a:r>
-            <a:endParaRPr lang="hu-HU" sz="3200" dirty="0">
-              <a:latin typeface="gg mono"/>
-            </a:endParaRPr>
-          </a:p>
-          <a:p>
-            <a:r>
-              <a:rPr lang="hu-HU" sz="3200" b="0" i="0" dirty="0" err="1">
+              <a:t>stopping</a:t>
+            </a:r>
+            <a:r>
+              <a:rPr lang="hu-HU" sz="2600" b="0" i="0" dirty="0">
                 <a:effectLst/>
                 <a:latin typeface="gg mono"/>
               </a:rPr>
-              <a:t>Epochok</a:t>
-            </a:r>
-            <a:r>
-              <a:rPr lang="hu-HU" sz="3200" b="0" i="0" dirty="0">
-                <a:effectLst/>
-                <a:latin typeface="gg mono"/>
-              </a:rPr>
-              <a:t> száma: 10</a:t>
-            </a:r>
-          </a:p>
-          <a:p>
-            <a:r>
-              <a:rPr lang="hu-HU" sz="3200" b="0" i="0" dirty="0" err="1">
-                <a:effectLst/>
-                <a:latin typeface="gg mono"/>
-              </a:rPr>
-              <a:t>Early</a:t>
-            </a:r>
-            <a:r>
-              <a:rPr lang="hu-HU" sz="3200" b="0" i="0" dirty="0">
-                <a:effectLst/>
-                <a:latin typeface="gg mono"/>
-              </a:rPr>
-              <a:t> </a:t>
-            </a:r>
-            <a:r>
-              <a:rPr lang="hu-HU" sz="3200" b="0" i="0" dirty="0" err="1">
-                <a:effectLst/>
-                <a:latin typeface="gg mono"/>
-              </a:rPr>
-              <a:t>stopping</a:t>
-            </a:r>
-            <a:r>
-              <a:rPr lang="hu-HU" sz="3200" b="0" i="0" dirty="0">
-                <a:effectLst/>
-                <a:latin typeface="gg mono"/>
-              </a:rPr>
               <a:t>: overfitting és a felesleges számítások elkerülése érdekében</a:t>
             </a:r>
-            <a:endParaRPr lang="hu-HU" sz="3200" dirty="0"/>
-          </a:p>
-        </p:txBody>
-      </p:sp>
+            <a:endParaRPr lang="hu-HU" sz="2600" dirty="0"/>
+          </a:p>
+        </p:txBody>
+      </p:sp>
+      <p:pic>
+        <p:nvPicPr>
+          <p:cNvPr id="6" name="Kép 5" descr="A képen szöveg, Betűtípus, sor, képernyőkép látható&#10;&#10;Automatikusan generált leírás">
+            <a:extLst>
+              <a:ext uri="{FF2B5EF4-FFF2-40B4-BE49-F238E27FC236}">
+                <a16:creationId xmlns:a16="http://schemas.microsoft.com/office/drawing/2014/main" id="{DA3CABAC-468B-D6AA-9662-CB7165A60EA5}"/>
+              </a:ext>
+            </a:extLst>
+          </p:cNvPr>
+          <p:cNvPicPr>
+            <a:picLocks noChangeAspect="1"/>
+          </p:cNvPicPr>
+          <p:nvPr/>
+        </p:nvPicPr>
+        <p:blipFill>
+          <a:blip r:embed="rId4">
+            <a:extLst>
+              <a:ext uri="{28A0092B-C50C-407E-A947-70E740481C1C}">
+                <a14:useLocalDpi xmlns:a14="http://schemas.microsoft.com/office/drawing/2010/main" val="0"/>
+              </a:ext>
+            </a:extLst>
+          </a:blip>
+          <a:stretch>
+            <a:fillRect/>
+          </a:stretch>
+        </p:blipFill>
+        <p:spPr>
+          <a:xfrm>
+            <a:off x="8283062" y="990670"/>
+            <a:ext cx="1635233" cy="1575114"/>
+          </a:xfrm>
+          <a:prstGeom prst="rect">
+            <a:avLst/>
+          </a:prstGeom>
+        </p:spPr>
+      </p:pic>
     </p:spTree>
     <p:extLst>
       <p:ext uri="{BB962C8B-B14F-4D97-AF65-F5344CB8AC3E}">
@@ -7018,13 +7082,13 @@
         </p:nvSpPr>
         <p:spPr>
           <a:xfrm>
-            <a:off x="4654295" y="457200"/>
-            <a:ext cx="6894576" cy="1508760"/>
+            <a:off x="4524892" y="338328"/>
+            <a:ext cx="6923396" cy="2432304"/>
           </a:xfrm>
         </p:spPr>
         <p:txBody>
           <a:bodyPr anchor="ctr">
-            <a:normAutofit fontScale="77500" lnSpcReduction="20000"/>
+            <a:normAutofit/>
           </a:bodyPr>
           <a:lstStyle/>
           <a:p>
@@ -7035,21 +7099,21 @@
           </a:p>
           <a:p>
             <a:r>
-              <a:rPr lang="hu-HU" sz="3300" b="0" i="0" dirty="0">
+              <a:rPr lang="hu-HU" sz="1600" b="0" i="0" dirty="0">
                 <a:effectLst/>
                 <a:latin typeface="gg mono"/>
               </a:rPr>
               <a:t>~90%-os </a:t>
             </a:r>
             <a:r>
-              <a:rPr lang="hu-HU" sz="3300" b="0" i="0" dirty="0" err="1">
+              <a:rPr lang="hu-HU" sz="1600" b="0" i="0" dirty="0" err="1">
                 <a:effectLst/>
                 <a:latin typeface="gg mono"/>
               </a:rPr>
               <a:t>IoU</a:t>
             </a:r>
             <a:r>
-              <a:rPr lang="hu-HU" sz="3300" b="0" i="0" dirty="0">
+              <a:rPr lang="hu-HU" sz="1600" b="0" i="0" dirty="0">
                 <a:effectLst/>
                 <a:latin typeface="gg mono"/>
               </a:rPr>
@@ -7058,55 +7122,55 @@
           </a:p>
           <a:p>
             <a:r>
-              <a:rPr lang="hu-HU" sz="3300" b="0" i="0" dirty="0">
+              <a:rPr lang="hu-HU" sz="1600" b="0" i="0" dirty="0">
                 <a:effectLst/>
                 <a:latin typeface="gg mono"/>
               </a:rPr>
               <a:t>jó általánosító képesség</a:t>
             </a:r>
-            <a:endParaRPr lang="hu-HU" sz="3300" dirty="0">
+            <a:endParaRPr lang="hu-HU" sz="1600" dirty="0">
               <a:latin typeface="gg mono"/>
             </a:endParaRPr>
           </a:p>
           <a:p>
             <a:r>
-              <a:rPr lang="hu-HU" sz="3300" dirty="0">
+              <a:rPr lang="hu-HU" sz="1600" dirty="0">
                 <a:latin typeface="gg mono"/>
               </a:rPr>
               <a:t>200 </a:t>
             </a:r>
             <a:r>
-              <a:rPr lang="hu-HU" sz="3300" dirty="0" err="1">
+              <a:rPr lang="hu-HU" sz="1600" dirty="0" err="1">
                 <a:latin typeface="gg mono"/>
               </a:rPr>
               <a:t>ms</a:t>
             </a:r>
             <a:r>
-              <a:rPr lang="hu-HU" sz="3300" dirty="0">
+              <a:rPr lang="hu-HU" sz="1600" dirty="0">
                 <a:latin typeface="gg mono"/>
               </a:rPr>
               <a:t>-os sebesség (</a:t>
             </a:r>
             <a:r>
-              <a:rPr lang="hu-HU" sz="3300" dirty="0" err="1">
+              <a:rPr lang="hu-HU" sz="1600" dirty="0" err="1">
                 <a:latin typeface="gg mono"/>
               </a:rPr>
               <a:t>inference</a:t>
             </a:r>
             <a:r>
-              <a:rPr lang="hu-HU" sz="3300" dirty="0">
+              <a:rPr lang="hu-HU" sz="1600" dirty="0">
                 <a:latin typeface="gg mono"/>
               </a:rPr>
               <a:t> </a:t>
             </a:r>
             <a:r>
-              <a:rPr lang="hu-HU" sz="3300" dirty="0" err="1">
+              <a:rPr lang="hu-HU" sz="1600" dirty="0" err="1">
                 <a:latin typeface="gg mono"/>
               </a:rPr>
               <a:t>time</a:t>
             </a:r>
             <a:r>
-              <a:rPr lang="hu-HU" sz="3300" dirty="0">
+              <a:rPr lang="hu-HU" sz="1600" dirty="0">
                 <a:latin typeface="gg mono"/>
               </a:rPr>
               <a:t>)</a:t>
@@ -7471,7 +7535,7 @@
           <a:lstStyle/>
           <a:p>
             <a:r>
-              <a:rPr lang="hu-HU" sz="5400"/>
+              <a:rPr lang="hu-HU" sz="5400" dirty="0"/>
               <a:t>Jövőbeli tervek</a:t>
             </a:r>
           </a:p>
@@ -7864,14 +7928,17 @@
             </a:r>
           </a:p>
           <a:p>
+            <a:endParaRPr lang="hu-HU" sz="3200" dirty="0"/>
+          </a:p>
+          <a:p>
             <a:r>
               <a:rPr lang="hu-HU" sz="3200" dirty="0" err="1"/>
-              <a:t>Augmentálás</a:t>
-            </a:r>
-            <a:r>
-              <a:rPr lang="hu-HU" sz="3200" dirty="0"/>
-              <a:t> kipróbálása</a:t>
-            </a:r>
+              <a:t>Adataugmentálás</a:t>
+            </a:r>
+            <a:endParaRPr lang="hu-HU" sz="3200" dirty="0"/>
+          </a:p>
+          <a:p>
+            <a:endParaRPr lang="hu-HU" sz="3200" dirty="0"/>
           </a:p>
           <a:p>
             <a:r>

--- a/Ctrl-Alt-SegmentAnything_prezentacio.pptx
+++ b/Ctrl-Alt-SegmentAnything_prezentacio.pptx
@@ -3852,8 +3852,8 @@
         </p:nvSpPr>
         <p:spPr>
           <a:xfrm>
-            <a:off x="890337" y="640080"/>
-            <a:ext cx="4190817" cy="3566160"/>
+            <a:off x="890338" y="874256"/>
+            <a:ext cx="4818888" cy="2209130"/>
           </a:xfrm>
           <a:prstGeom prst="rect">
             <a:avLst/>
@@ -3877,7 +3877,7 @@
               </a:spcAft>
             </a:pPr>
             <a:r>
-              <a:rPr lang="en-US" sz="5000" dirty="0" err="1">
+              <a:rPr lang="en-US" sz="4000" dirty="0" err="1">
                 <a:latin typeface="+mj-lt"/>
                 <a:ea typeface="+mj-ea"/>
                 <a:cs typeface="+mj-cs"/>
@@ -3885,7 +3885,7 @@
               <a:t>Hajók</a:t>
             </a:r>
             <a:r>
-              <a:rPr lang="en-US" sz="5000" dirty="0">
+              <a:rPr lang="en-US" sz="4000" dirty="0">
                 <a:latin typeface="+mj-lt"/>
                 <a:ea typeface="+mj-ea"/>
                 <a:cs typeface="+mj-cs"/>
@@ -3893,7 +3893,7 @@
               <a:t> </a:t>
             </a:r>
             <a:r>
-              <a:rPr lang="en-US" sz="5000" dirty="0" err="1">
+              <a:rPr lang="en-US" sz="4000" dirty="0" err="1">
                 <a:latin typeface="+mj-lt"/>
                 <a:ea typeface="+mj-ea"/>
                 <a:cs typeface="+mj-cs"/>
@@ -3901,7 +3901,7 @@
               <a:t>szegmentálása</a:t>
             </a:r>
             <a:r>
-              <a:rPr lang="en-US" sz="5000" dirty="0">
+              <a:rPr lang="en-US" sz="4000" dirty="0">
                 <a:latin typeface="+mj-lt"/>
                 <a:ea typeface="+mj-ea"/>
                 <a:cs typeface="+mj-cs"/>
@@ -3909,7 +3909,7 @@
               <a:t> </a:t>
             </a:r>
             <a:r>
-              <a:rPr lang="hu-HU" sz="5000" dirty="0">
+              <a:rPr lang="hu-HU" sz="4000" dirty="0">
                 <a:latin typeface="+mj-lt"/>
                 <a:ea typeface="+mj-ea"/>
                 <a:cs typeface="+mj-cs"/>
@@ -3930,14 +3930,14 @@
               </a:spcAft>
             </a:pPr>
             <a:r>
-              <a:rPr lang="en-US" sz="5000" dirty="0" err="1">
+              <a:rPr lang="en-US" sz="4000" dirty="0" err="1">
                 <a:latin typeface="+mj-lt"/>
                 <a:ea typeface="+mj-ea"/>
                 <a:cs typeface="+mj-cs"/>
               </a:rPr>
               <a:t>segítségével</a:t>
             </a:r>
-            <a:endParaRPr lang="en-US" sz="5000" dirty="0">
+            <a:endParaRPr lang="en-US" sz="4000" dirty="0">
               <a:latin typeface="+mj-lt"/>
               <a:ea typeface="+mj-ea"/>
               <a:cs typeface="+mj-cs"/>
@@ -3959,8 +3959,8 @@
         </p:nvSpPr>
         <p:spPr>
           <a:xfrm>
-            <a:off x="890339" y="4636008"/>
-            <a:ext cx="3734014" cy="1572768"/>
+            <a:off x="890338" y="3774614"/>
+            <a:ext cx="3734014" cy="449914"/>
           </a:xfrm>
           <a:prstGeom prst="rect">
             <a:avLst/>
@@ -3981,9 +3981,25 @@
               </a:spcBef>
             </a:pPr>
             <a:r>
-              <a:rPr lang="en-US" sz="2400"/>
-              <a:t>Ctrl-Alt-SegmentAnything</a:t>
-            </a:r>
+              <a:rPr lang="en-US" sz="2400" dirty="0"/>
+              <a:t>Ctrl-Alt-</a:t>
+            </a:r>
+            <a:r>
+              <a:rPr lang="en-US" sz="2400" dirty="0" err="1"/>
+              <a:t>SegmentAnything</a:t>
+            </a:r>
+            <a:endParaRPr lang="hu-HU" sz="2400" dirty="0"/>
+          </a:p>
+          <a:p>
+            <a:pPr>
+              <a:lnSpc>
+                <a:spcPct val="90000"/>
+              </a:lnSpc>
+              <a:spcBef>
+                <a:spcPts val="1000"/>
+              </a:spcBef>
+            </a:pPr>
+            <a:endParaRPr lang="hu-HU" sz="2400" dirty="0"/>
           </a:p>
         </p:txBody>
       </p:sp>
@@ -4417,6 +4433,95 @@
           </a:custGeom>
         </p:spPr>
       </p:pic>
+      <p:sp>
+        <p:nvSpPr>
+          <p:cNvPr id="2" name="Szövegdoboz 1">
+            <a:extLst>
+              <a:ext uri="{FF2B5EF4-FFF2-40B4-BE49-F238E27FC236}">
+                <a16:creationId xmlns:a16="http://schemas.microsoft.com/office/drawing/2014/main" id="{867BDDD8-348B-4A80-8A7B-0E3C28BE19B8}"/>
+              </a:ext>
+            </a:extLst>
+          </p:cNvPr>
+          <p:cNvSpPr txBox="1"/>
+          <p:nvPr/>
+        </p:nvSpPr>
+        <p:spPr>
+          <a:xfrm>
+            <a:off x="888226" y="4664890"/>
+            <a:ext cx="2411556" cy="977887"/>
+          </a:xfrm>
+          <a:prstGeom prst="rect">
+            <a:avLst/>
+          </a:prstGeom>
+        </p:spPr>
+        <p:txBody>
+          <a:bodyPr vert="horz" lIns="91440" tIns="45720" rIns="91440" bIns="45720" rtlCol="0">
+            <a:noAutofit/>
+          </a:bodyPr>
+          <a:lstStyle/>
+          <a:p>
+            <a:pPr algn="l"/>
+            <a:r>
+              <a:rPr lang="hu-HU" b="0" i="0" dirty="0">
+                <a:solidFill>
+                  <a:srgbClr val="1F2328"/>
+                </a:solidFill>
+                <a:effectLst/>
+                <a:latin typeface="-apple-system"/>
+              </a:rPr>
+              <a:t>- Hugyecz Sára (n8ersj)</a:t>
+            </a:r>
+          </a:p>
+          <a:p>
+            <a:pPr algn="l"/>
+            <a:r>
+              <a:rPr lang="hu-HU" b="0" i="0" dirty="0">
+                <a:solidFill>
+                  <a:srgbClr val="1F2328"/>
+                </a:solidFill>
+                <a:effectLst/>
+                <a:latin typeface="-apple-system"/>
+              </a:rPr>
+              <a:t>- Somodi István (ixh8ro)</a:t>
+            </a:r>
+          </a:p>
+          <a:p>
+            <a:pPr algn="l"/>
+            <a:r>
+              <a:rPr lang="hu-HU" b="0" i="0" dirty="0">
+                <a:solidFill>
+                  <a:srgbClr val="1F2328"/>
+                </a:solidFill>
+                <a:effectLst/>
+                <a:latin typeface="-apple-system"/>
+              </a:rPr>
+              <a:t>- Géró Kristóf (i0sk1n)</a:t>
+            </a:r>
+          </a:p>
+          <a:p>
+            <a:pPr>
+              <a:lnSpc>
+                <a:spcPct val="90000"/>
+              </a:lnSpc>
+              <a:spcBef>
+                <a:spcPts val="1000"/>
+              </a:spcBef>
+            </a:pPr>
+            <a:endParaRPr lang="hu-HU" dirty="0"/>
+          </a:p>
+          <a:p>
+            <a:pPr>
+              <a:lnSpc>
+                <a:spcPct val="90000"/>
+              </a:lnSpc>
+              <a:spcBef>
+                <a:spcPts val="1000"/>
+              </a:spcBef>
+            </a:pPr>
+            <a:endParaRPr lang="hu-HU" dirty="0"/>
+          </a:p>
+        </p:txBody>
+      </p:sp>
     </p:spTree>
     <p:extLst>
       <p:ext uri="{BB962C8B-B14F-4D97-AF65-F5344CB8AC3E}">
@@ -5306,13 +5411,13 @@
           <a:lstStyle/>
           <a:p>
             <a:r>
-              <a:rPr lang="hu-HU" b="0" i="0">
+              <a:rPr lang="hu-HU" b="0" i="0" dirty="0">
                 <a:effectLst/>
                 <a:latin typeface="gg mono"/>
               </a:rPr>
               <a:t>Adatbázis</a:t>
             </a:r>
-            <a:endParaRPr lang="hu-HU"/>
+            <a:endParaRPr lang="hu-HU" dirty="0"/>
           </a:p>
         </p:txBody>
       </p:sp>
@@ -5585,7 +5690,7 @@
                 <a:effectLst/>
                 <a:latin typeface="gg mono"/>
               </a:rPr>
-              <a:t>   42556 kép hajóval</a:t>
+              <a:t>     42556 kép hajóval</a:t>
             </a:r>
           </a:p>
           <a:p>
@@ -5597,7 +5702,7 @@
                 <a:effectLst/>
                 <a:latin typeface="gg mono"/>
               </a:rPr>
-              <a:t>   150000 kép hajó nélkül</a:t>
+              <a:t>     150000 kép hajó nélkül</a:t>
             </a:r>
           </a:p>
           <a:p>
